--- a/Documents/PastAgis/Agis.pptx
+++ b/Documents/PastAgis/Agis.pptx
@@ -128,14 +128,6 @@
     </p:ext>
   </p:extLst>
 </p:presentation>
-</file>
-
-<file path=ppt/revisionInfo.xml><?xml version="1.0" encoding="utf-8"?>
-<p1510:revInfo xmlns:a="http://schemas.openxmlformats.org/drawingml/2006/main" xmlns:r="http://schemas.openxmlformats.org/officeDocument/2006/relationships" xmlns:p1510="http://schemas.microsoft.com/office/powerpoint/2015/10/main">
-  <p1510:revLst>
-    <p1510:client id="{521DF1D0-0B42-4754-A2D3-F73E048BFA74}" v="72" dt="2021-10-27T11:13:02.946"/>
-  </p1510:revLst>
-</p1510:revInfo>
 </file>
 
 <file path=ppt/changesInfos/changesInfo1.xml><?xml version="1.0" encoding="utf-8"?>
@@ -423,6 +415,30 @@
             <ac:picMk id="1030" creationId="{EC5D723B-F437-4281-92CF-D92E6A63BDF2}"/>
           </ac:picMkLst>
         </pc:picChg>
+      </pc:sldChg>
+    </pc:docChg>
+  </pc:docChgLst>
+  <pc:docChgLst>
+    <pc:chgData name="남 상현" userId="03ad4a8e8f7310f3" providerId="LiveId" clId="{5141A16C-687C-4EF3-9488-BC2B5465CC7F}"/>
+    <pc:docChg chg="modSld">
+      <pc:chgData name="남 상현" userId="03ad4a8e8f7310f3" providerId="LiveId" clId="{5141A16C-687C-4EF3-9488-BC2B5465CC7F}" dt="2021-10-30T12:36:33.990" v="1" actId="21"/>
+      <pc:docMkLst>
+        <pc:docMk/>
+      </pc:docMkLst>
+      <pc:sldChg chg="modSp mod">
+        <pc:chgData name="남 상현" userId="03ad4a8e8f7310f3" providerId="LiveId" clId="{5141A16C-687C-4EF3-9488-BC2B5465CC7F}" dt="2021-10-30T12:36:33.990" v="1" actId="21"/>
+        <pc:sldMkLst>
+          <pc:docMk/>
+          <pc:sldMk cId="4244777950" sldId="260"/>
+        </pc:sldMkLst>
+        <pc:spChg chg="mod">
+          <ac:chgData name="남 상현" userId="03ad4a8e8f7310f3" providerId="LiveId" clId="{5141A16C-687C-4EF3-9488-BC2B5465CC7F}" dt="2021-10-30T12:36:33.990" v="1" actId="21"/>
+          <ac:spMkLst>
+            <pc:docMk/>
+            <pc:sldMk cId="4244777950" sldId="260"/>
+            <ac:spMk id="3" creationId="{92E02212-C307-438C-A154-F0A7BD62AC6A}"/>
+          </ac:spMkLst>
+        </pc:spChg>
       </pc:sldChg>
     </pc:docChg>
   </pc:docChgLst>
@@ -806,7 +822,7 @@
           <a:p>
             <a:fld id="{0188BD66-E6E7-4C45-AB6D-5D322163BA3A}" type="datetimeFigureOut">
               <a:rPr lang="ko-KR" altLang="en-US" smtClean="0"/>
-              <a:t>2021-10-27</a:t>
+              <a:t>2021-10-30</a:t>
             </a:fld>
             <a:endParaRPr lang="ko-KR" altLang="en-US"/>
           </a:p>
@@ -1252,7 +1268,7 @@
           <a:p>
             <a:fld id="{A5AFA60C-1338-43DD-9992-72F57E60546C}" type="datetimeFigureOut">
               <a:rPr lang="ko-KR" altLang="en-US" smtClean="0"/>
-              <a:t>2021-10-27</a:t>
+              <a:t>2021-10-30</a:t>
             </a:fld>
             <a:endParaRPr lang="ko-KR" altLang="en-US"/>
           </a:p>
@@ -1420,7 +1436,7 @@
           <a:p>
             <a:fld id="{A5AFA60C-1338-43DD-9992-72F57E60546C}" type="datetimeFigureOut">
               <a:rPr lang="ko-KR" altLang="en-US" smtClean="0"/>
-              <a:t>2021-10-27</a:t>
+              <a:t>2021-10-30</a:t>
             </a:fld>
             <a:endParaRPr lang="ko-KR" altLang="en-US"/>
           </a:p>
@@ -1598,7 +1614,7 @@
           <a:p>
             <a:fld id="{A5AFA60C-1338-43DD-9992-72F57E60546C}" type="datetimeFigureOut">
               <a:rPr lang="ko-KR" altLang="en-US" smtClean="0"/>
-              <a:t>2021-10-27</a:t>
+              <a:t>2021-10-30</a:t>
             </a:fld>
             <a:endParaRPr lang="ko-KR" altLang="en-US"/>
           </a:p>
@@ -1766,7 +1782,7 @@
           <a:p>
             <a:fld id="{A5AFA60C-1338-43DD-9992-72F57E60546C}" type="datetimeFigureOut">
               <a:rPr lang="ko-KR" altLang="en-US" smtClean="0"/>
-              <a:t>2021-10-27</a:t>
+              <a:t>2021-10-30</a:t>
             </a:fld>
             <a:endParaRPr lang="ko-KR" altLang="en-US"/>
           </a:p>
@@ -2011,7 +2027,7 @@
           <a:p>
             <a:fld id="{A5AFA60C-1338-43DD-9992-72F57E60546C}" type="datetimeFigureOut">
               <a:rPr lang="ko-KR" altLang="en-US" smtClean="0"/>
-              <a:t>2021-10-27</a:t>
+              <a:t>2021-10-30</a:t>
             </a:fld>
             <a:endParaRPr lang="ko-KR" altLang="en-US"/>
           </a:p>
@@ -2296,7 +2312,7 @@
           <a:p>
             <a:fld id="{A5AFA60C-1338-43DD-9992-72F57E60546C}" type="datetimeFigureOut">
               <a:rPr lang="ko-KR" altLang="en-US" smtClean="0"/>
-              <a:t>2021-10-27</a:t>
+              <a:t>2021-10-30</a:t>
             </a:fld>
             <a:endParaRPr lang="ko-KR" altLang="en-US"/>
           </a:p>
@@ -2715,7 +2731,7 @@
           <a:p>
             <a:fld id="{A5AFA60C-1338-43DD-9992-72F57E60546C}" type="datetimeFigureOut">
               <a:rPr lang="ko-KR" altLang="en-US" smtClean="0"/>
-              <a:t>2021-10-27</a:t>
+              <a:t>2021-10-30</a:t>
             </a:fld>
             <a:endParaRPr lang="ko-KR" altLang="en-US"/>
           </a:p>
@@ -2832,7 +2848,7 @@
           <a:p>
             <a:fld id="{A5AFA60C-1338-43DD-9992-72F57E60546C}" type="datetimeFigureOut">
               <a:rPr lang="ko-KR" altLang="en-US" smtClean="0"/>
-              <a:t>2021-10-27</a:t>
+              <a:t>2021-10-30</a:t>
             </a:fld>
             <a:endParaRPr lang="ko-KR" altLang="en-US"/>
           </a:p>
@@ -2927,7 +2943,7 @@
           <a:p>
             <a:fld id="{A5AFA60C-1338-43DD-9992-72F57E60546C}" type="datetimeFigureOut">
               <a:rPr lang="ko-KR" altLang="en-US" smtClean="0"/>
-              <a:t>2021-10-27</a:t>
+              <a:t>2021-10-30</a:t>
             </a:fld>
             <a:endParaRPr lang="ko-KR" altLang="en-US"/>
           </a:p>
@@ -3202,7 +3218,7 @@
           <a:p>
             <a:fld id="{A5AFA60C-1338-43DD-9992-72F57E60546C}" type="datetimeFigureOut">
               <a:rPr lang="ko-KR" altLang="en-US" smtClean="0"/>
-              <a:t>2021-10-27</a:t>
+              <a:t>2021-10-30</a:t>
             </a:fld>
             <a:endParaRPr lang="ko-KR" altLang="en-US"/>
           </a:p>
@@ -3454,7 +3470,7 @@
           <a:p>
             <a:fld id="{A5AFA60C-1338-43DD-9992-72F57E60546C}" type="datetimeFigureOut">
               <a:rPr lang="ko-KR" altLang="en-US" smtClean="0"/>
-              <a:t>2021-10-27</a:t>
+              <a:t>2021-10-30</a:t>
             </a:fld>
             <a:endParaRPr lang="ko-KR" altLang="en-US"/>
           </a:p>
@@ -3665,7 +3681,7 @@
           <a:p>
             <a:fld id="{A5AFA60C-1338-43DD-9992-72F57E60546C}" type="datetimeFigureOut">
               <a:rPr lang="ko-KR" altLang="en-US" smtClean="0"/>
-              <a:t>2021-10-27</a:t>
+              <a:t>2021-10-30</a:t>
             </a:fld>
             <a:endParaRPr lang="ko-KR" altLang="en-US"/>
           </a:p>
@@ -8519,8 +8535,8 @@
         </p:nvSpPr>
         <p:spPr>
           <a:xfrm>
-            <a:off x="119336" y="1124744"/>
-            <a:ext cx="12423268" cy="1477328"/>
+            <a:off x="263352" y="2564904"/>
+            <a:ext cx="12423268" cy="369332"/>
           </a:xfrm>
           <a:prstGeom prst="rect">
             <a:avLst/>
@@ -8536,113 +8552,6 @@
             <a:r>
               <a:rPr lang="en-US" altLang="ko-KR" dirty="0"/>
               <a:t>0.  </a:t>
-            </a:r>
-            <a:r>
-              <a:rPr lang="ko-KR" altLang="en-US" dirty="0"/>
-              <a:t>주체 선택 </a:t>
-            </a:r>
-            <a:r>
-              <a:rPr lang="en-US" altLang="ko-KR" dirty="0"/>
-              <a:t>- </a:t>
-            </a:r>
-            <a:r>
-              <a:rPr lang="ko-KR" altLang="en-US" dirty="0"/>
-              <a:t>주체가 될 공이 있는 셀을 선택하며</a:t>
-            </a:r>
-            <a:r>
-              <a:rPr lang="en-US" altLang="ko-KR" dirty="0"/>
-              <a:t>, </a:t>
-            </a:r>
-            <a:r>
-              <a:rPr lang="ko-KR" altLang="en-US" dirty="0"/>
-              <a:t>주체가 속한 셀은 중력의 방향은 모든 셀의 중력의 방향을 좌지우</a:t>
-            </a:r>
-            <a:r>
-              <a:rPr lang="en-US" altLang="ko-KR" dirty="0"/>
-              <a:t>	</a:t>
-            </a:r>
-            <a:r>
-              <a:rPr lang="ko-KR" altLang="en-US" dirty="0"/>
-              <a:t>지 합니다</a:t>
-            </a:r>
-            <a:r>
-              <a:rPr lang="en-US" altLang="ko-KR" dirty="0"/>
-              <a:t>.</a:t>
-            </a:r>
-          </a:p>
-          <a:p>
-            <a:pPr marL="342900" indent="-342900">
-              <a:buAutoNum type="arabicPeriod"/>
-            </a:pPr>
-            <a:r>
-              <a:rPr lang="ko-KR" altLang="en-US" dirty="0"/>
-              <a:t>목적지 설정 </a:t>
-            </a:r>
-            <a:r>
-              <a:rPr lang="en-US" altLang="ko-KR" dirty="0"/>
-              <a:t>- </a:t>
-            </a:r>
-            <a:r>
-              <a:rPr lang="ko-KR" altLang="en-US" dirty="0"/>
-              <a:t>주체가 포함 된 셀에서 주체와 다른 공들의 목적지를 지정한다</a:t>
-            </a:r>
-            <a:r>
-              <a:rPr lang="en-US" altLang="ko-KR" dirty="0"/>
-              <a:t>.</a:t>
-            </a:r>
-          </a:p>
-          <a:p>
-            <a:pPr marL="342900" indent="-342900">
-              <a:buAutoNum type="arabicPeriod"/>
-            </a:pPr>
-            <a:r>
-              <a:rPr lang="ko-KR" altLang="en-US" dirty="0"/>
-              <a:t>중력장 설정</a:t>
-            </a:r>
-            <a:r>
-              <a:rPr lang="en-US" altLang="ko-KR" dirty="0"/>
-              <a:t> – </a:t>
-            </a:r>
-            <a:r>
-              <a:rPr lang="ko-KR" altLang="en-US" dirty="0"/>
-              <a:t>공들이 움직일 방향을 바꿔주는 중력장을 최대 </a:t>
-            </a:r>
-            <a:r>
-              <a:rPr lang="en-US" altLang="ko-KR" dirty="0"/>
-              <a:t>n</a:t>
-            </a:r>
-            <a:r>
-              <a:rPr lang="ko-KR" altLang="en-US" dirty="0"/>
-              <a:t>개 설치합니다</a:t>
-            </a:r>
-            <a:r>
-              <a:rPr lang="en-US" altLang="ko-KR" dirty="0"/>
-              <a:t>.</a:t>
-            </a:r>
-          </a:p>
-          <a:p>
-            <a:pPr marL="342900" indent="-342900">
-              <a:buAutoNum type="arabicPeriod"/>
-            </a:pPr>
-            <a:r>
-              <a:rPr lang="ko-KR" altLang="en-US" dirty="0" err="1"/>
-              <a:t>파티볼</a:t>
-            </a:r>
-            <a:r>
-              <a:rPr lang="ko-KR" altLang="en-US" dirty="0"/>
-              <a:t> 이동 </a:t>
-            </a:r>
-            <a:r>
-              <a:rPr lang="en-US" altLang="ko-KR" dirty="0"/>
-              <a:t>– </a:t>
-            </a:r>
-            <a:r>
-              <a:rPr lang="ko-KR" altLang="en-US" dirty="0"/>
-              <a:t>공들이 움직입니다</a:t>
-            </a:r>
-            <a:r>
-              <a:rPr lang="en-US" altLang="ko-KR"/>
-              <a:t>.</a:t>
             </a:r>
           </a:p>
         </p:txBody>
